--- a/Lab.1/Презентація.pptx
+++ b/Lab.1/Презентація.pptx
@@ -249,6 +249,11 @@
       </a:defRPr>
     </a:lvl9pPr>
   </p:defaultTextStyle>
+  <p:extLst>
+    <p:ext uri="{EFAFB233-063F-42B5-8137-9DF3F51BA10A}">
+      <p15:sldGuideLst xmlns:p15="http://schemas.microsoft.com/office/powerpoint/2012/main"/>
+    </p:ext>
+  </p:extLst>
 </p:presentation>
 </file>
 
@@ -45691,10 +45696,10 @@
       </p:sp>
       <p:pic>
         <p:nvPicPr>
-          <p:cNvPr id="3" name="Рисунок 2">
+          <p:cNvPr id="2" name="Рисунок 1">
             <a:extLst>
               <a:ext uri="{FF2B5EF4-FFF2-40B4-BE49-F238E27FC236}">
-                <a16:creationId xmlns:a16="http://schemas.microsoft.com/office/drawing/2014/main" id="{2988C596-DEEE-4E09-B376-1B10D6D7ACF2}"/>
+                <a16:creationId xmlns:a16="http://schemas.microsoft.com/office/drawing/2014/main" id="{C2ED72DA-0306-4EF8-BBD3-ACDF3FC49368}"/>
               </a:ext>
             </a:extLst>
           </p:cNvPr>
@@ -45711,30 +45716,20 @@
         </p:blipFill>
         <p:spPr>
           <a:xfrm>
-            <a:off x="5745477" y="1406646"/>
-            <a:ext cx="2400303" cy="4829410"/>
+            <a:off x="622396" y="1406646"/>
+            <a:ext cx="2776128" cy="5175250"/>
           </a:xfrm>
           <a:prstGeom prst="rect">
             <a:avLst/>
           </a:prstGeom>
-          <a:ln>
-            <a:noFill/>
-          </a:ln>
-          <a:effectLst>
-            <a:outerShdw blurRad="292100" dist="139700" dir="2700000" algn="tl" rotWithShape="0">
-              <a:srgbClr val="333333">
-                <a:alpha val="65000"/>
-              </a:srgbClr>
-            </a:outerShdw>
-          </a:effectLst>
         </p:spPr>
       </p:pic>
       <p:pic>
         <p:nvPicPr>
-          <p:cNvPr id="5" name="Рисунок 4">
+          <p:cNvPr id="4" name="Рисунок 3">
             <a:extLst>
               <a:ext uri="{FF2B5EF4-FFF2-40B4-BE49-F238E27FC236}">
-                <a16:creationId xmlns:a16="http://schemas.microsoft.com/office/drawing/2014/main" id="{9509D337-6FA5-4F55-A0FC-713557F8E5AD}"/>
+                <a16:creationId xmlns:a16="http://schemas.microsoft.com/office/drawing/2014/main" id="{9C8C07E0-F2CB-4D4A-B729-BC09C2EF1EC3}"/>
               </a:ext>
             </a:extLst>
           </p:cNvPr>
@@ -45751,22 +45746,12 @@
         </p:blipFill>
         <p:spPr>
           <a:xfrm>
-            <a:off x="1005422" y="1406646"/>
-            <a:ext cx="2393102" cy="4829410"/>
+            <a:off x="5379633" y="1406646"/>
+            <a:ext cx="2864253" cy="5175250"/>
           </a:xfrm>
           <a:prstGeom prst="rect">
             <a:avLst/>
           </a:prstGeom>
-          <a:ln>
-            <a:noFill/>
-          </a:ln>
-          <a:effectLst>
-            <a:outerShdw blurRad="292100" dist="139700" dir="2700000" algn="tl" rotWithShape="0">
-              <a:srgbClr val="333333">
-                <a:alpha val="65000"/>
-              </a:srgbClr>
-            </a:outerShdw>
-          </a:effectLst>
         </p:spPr>
       </p:pic>
     </p:spTree>
